--- a/presentation/presentation.pptx
+++ b/presentation/presentation.pptx
@@ -8,6 +8,9 @@
     <p:sldId id="256" r:id="rId2"/>
     <p:sldId id="257" r:id="rId3"/>
     <p:sldId id="258" r:id="rId4"/>
+    <p:sldId id="259" r:id="rId5"/>
+    <p:sldId id="260" r:id="rId6"/>
+    <p:sldId id="261" r:id="rId7"/>
   </p:sldIdLst>
   <p:sldSz cx="12192000" cy="6858000"/>
   <p:notesSz cx="6858000" cy="9144000"/>
@@ -106,6 +109,11 @@
       </a:defRPr>
     </a:lvl9pPr>
   </p:defaultTextStyle>
+  <p:extLst>
+    <p:ext uri="{EFAFB233-063F-42B5-8137-9DF3F51BA10A}">
+      <p15:sldGuideLst xmlns:p15="http://schemas.microsoft.com/office/powerpoint/2012/main"/>
+    </p:ext>
+  </p:extLst>
 </p:presentation>
 </file>
 
@@ -2413,9 +2421,18 @@
 <p:sldMaster xmlns:a="http://schemas.openxmlformats.org/drawingml/2006/main" xmlns:r="http://schemas.openxmlformats.org/officeDocument/2006/relationships" xmlns:p="http://schemas.openxmlformats.org/presentationml/2006/main">
   <p:cSld>
     <p:bg>
-      <p:bgRef idx="1001">
-        <a:schemeClr val="bg1"/>
-      </p:bgRef>
+      <p:bgPr>
+        <a:blipFill dpi="0" rotWithShape="1">
+          <a:blip r:embed="rId13">
+            <a:lum/>
+          </a:blip>
+          <a:srcRect/>
+          <a:stretch>
+            <a:fillRect/>
+          </a:stretch>
+        </a:blipFill>
+        <a:effectLst/>
+      </p:bgPr>
     </p:bg>
     <p:spTree>
       <p:nvGrpSpPr>
@@ -3084,47 +3101,6 @@
           <a:chExt cx="0" cy="0"/>
         </a:xfrm>
       </p:grpSpPr>
-      <p:pic>
-        <p:nvPicPr>
-          <p:cNvPr id="1026" name="Picture 2" descr="http://www.aspeneg.com/wp-content/uploads/2012/05/bg_grass.jpg"/>
-          <p:cNvPicPr>
-            <a:picLocks noChangeAspect="1" noChangeArrowheads="1"/>
-          </p:cNvPicPr>
-          <p:nvPr/>
-        </p:nvPicPr>
-        <p:blipFill>
-          <a:blip r:embed="rId2">
-            <a:extLst>
-              <a:ext uri="{28A0092B-C50C-407E-A947-70E740481C1C}">
-                <a14:useLocalDpi xmlns:a14="http://schemas.microsoft.com/office/drawing/2010/main" val="0"/>
-              </a:ext>
-            </a:extLst>
-          </a:blip>
-          <a:srcRect/>
-          <a:stretch>
-            <a:fillRect/>
-          </a:stretch>
-        </p:blipFill>
-        <p:spPr bwMode="auto">
-          <a:xfrm>
-            <a:off x="0" y="0"/>
-            <a:ext cx="12236350" cy="6858000"/>
-          </a:xfrm>
-          <a:prstGeom prst="rect">
-            <a:avLst/>
-          </a:prstGeom>
-          <a:noFill/>
-          <a:extLst>
-            <a:ext uri="{909E8E84-426E-40DD-AFC4-6F175D3DCCD1}">
-              <a14:hiddenFill xmlns:a14="http://schemas.microsoft.com/office/drawing/2010/main">
-                <a:solidFill>
-                  <a:srgbClr val="FFFFFF"/>
-                </a:solidFill>
-              </a14:hiddenFill>
-            </a:ext>
-          </a:extLst>
-        </p:spPr>
-      </p:pic>
       <p:sp>
         <p:nvSpPr>
           <p:cNvPr id="2" name="Título 1"/>
@@ -3285,47 +3261,6 @@
           <a:chExt cx="0" cy="0"/>
         </a:xfrm>
       </p:grpSpPr>
-      <p:pic>
-        <p:nvPicPr>
-          <p:cNvPr id="4" name="Picture 2" descr="http://www.aspeneg.com/wp-content/uploads/2012/05/bg_grass.jpg"/>
-          <p:cNvPicPr>
-            <a:picLocks noChangeAspect="1" noChangeArrowheads="1"/>
-          </p:cNvPicPr>
-          <p:nvPr/>
-        </p:nvPicPr>
-        <p:blipFill>
-          <a:blip r:embed="rId2">
-            <a:extLst>
-              <a:ext uri="{28A0092B-C50C-407E-A947-70E740481C1C}">
-                <a14:useLocalDpi xmlns:a14="http://schemas.microsoft.com/office/drawing/2010/main" val="0"/>
-              </a:ext>
-            </a:extLst>
-          </a:blip>
-          <a:srcRect/>
-          <a:stretch>
-            <a:fillRect/>
-          </a:stretch>
-        </p:blipFill>
-        <p:spPr bwMode="auto">
-          <a:xfrm>
-            <a:off x="0" y="0"/>
-            <a:ext cx="12236350" cy="6858000"/>
-          </a:xfrm>
-          <a:prstGeom prst="rect">
-            <a:avLst/>
-          </a:prstGeom>
-          <a:noFill/>
-          <a:extLst>
-            <a:ext uri="{909E8E84-426E-40DD-AFC4-6F175D3DCCD1}">
-              <a14:hiddenFill xmlns:a14="http://schemas.microsoft.com/office/drawing/2010/main">
-                <a:solidFill>
-                  <a:srgbClr val="FFFFFF"/>
-                </a:solidFill>
-              </a14:hiddenFill>
-            </a:ext>
-          </a:extLst>
-        </p:spPr>
-      </p:pic>
       <p:sp>
         <p:nvSpPr>
           <p:cNvPr id="2" name="Título 1"/>
@@ -3341,6 +3276,19 @@
           <a:bodyPr/>
           <a:lstStyle/>
           <a:p>
+            <a:pPr algn="ctr"/>
+            <a:r>
+              <a:rPr lang="es-ES" dirty="0" err="1" smtClean="0"/>
+              <a:t>Problem</a:t>
+            </a:r>
+            <a:r>
+              <a:rPr lang="es-ES" dirty="0" smtClean="0"/>
+              <a:t> </a:t>
+            </a:r>
+            <a:r>
+              <a:rPr lang="es-ES" dirty="0" err="1" smtClean="0"/>
+              <a:t>Statement</a:t>
+            </a:r>
             <a:endParaRPr lang="es-ES" dirty="0"/>
           </a:p>
         </p:txBody>
@@ -3368,6 +3316,279 @@
     <p:extLst>
       <p:ext uri="{BB962C8B-B14F-4D97-AF65-F5344CB8AC3E}">
         <p14:creationId xmlns:p14="http://schemas.microsoft.com/office/powerpoint/2010/main" val="2967546509"/>
+      </p:ext>
+    </p:extLst>
+  </p:cSld>
+  <p:clrMapOvr>
+    <a:masterClrMapping/>
+  </p:clrMapOvr>
+</p:sld>
+</file>
+
+<file path=ppt/slides/slide4.xml><?xml version="1.0" encoding="utf-8"?>
+<p:sld xmlns:a="http://schemas.openxmlformats.org/drawingml/2006/main" xmlns:r="http://schemas.openxmlformats.org/officeDocument/2006/relationships" xmlns:p="http://schemas.openxmlformats.org/presentationml/2006/main">
+  <p:cSld>
+    <p:spTree>
+      <p:nvGrpSpPr>
+        <p:cNvPr id="1" name=""/>
+        <p:cNvGrpSpPr/>
+        <p:nvPr/>
+      </p:nvGrpSpPr>
+      <p:grpSpPr>
+        <a:xfrm>
+          <a:off x="0" y="0"/>
+          <a:ext cx="0" cy="0"/>
+          <a:chOff x="0" y="0"/>
+          <a:chExt cx="0" cy="0"/>
+        </a:xfrm>
+      </p:grpSpPr>
+      <p:sp>
+        <p:nvSpPr>
+          <p:cNvPr id="2" name="Título 1"/>
+          <p:cNvSpPr>
+            <a:spLocks noGrp="1"/>
+          </p:cNvSpPr>
+          <p:nvPr>
+            <p:ph type="title"/>
+          </p:nvPr>
+        </p:nvSpPr>
+        <p:spPr/>
+        <p:txBody>
+          <a:bodyPr/>
+          <a:lstStyle/>
+          <a:p>
+            <a:pPr algn="ctr"/>
+            <a:r>
+              <a:rPr lang="es-ES" dirty="0" err="1" smtClean="0"/>
+              <a:t>Solution</a:t>
+            </a:r>
+            <a:endParaRPr lang="es-ES" dirty="0"/>
+          </a:p>
+        </p:txBody>
+      </p:sp>
+      <p:sp>
+        <p:nvSpPr>
+          <p:cNvPr id="3" name="Marcador de contenido 2"/>
+          <p:cNvSpPr>
+            <a:spLocks noGrp="1"/>
+          </p:cNvSpPr>
+          <p:nvPr>
+            <p:ph idx="1"/>
+          </p:nvPr>
+        </p:nvSpPr>
+        <p:spPr/>
+        <p:txBody>
+          <a:bodyPr/>
+          <a:lstStyle/>
+          <a:p>
+            <a:endParaRPr lang="es-ES" dirty="0"/>
+          </a:p>
+        </p:txBody>
+      </p:sp>
+    </p:spTree>
+    <p:extLst>
+      <p:ext uri="{BB962C8B-B14F-4D97-AF65-F5344CB8AC3E}">
+        <p14:creationId xmlns:p14="http://schemas.microsoft.com/office/powerpoint/2010/main" val="2915735374"/>
+      </p:ext>
+    </p:extLst>
+  </p:cSld>
+  <p:clrMapOvr>
+    <a:masterClrMapping/>
+  </p:clrMapOvr>
+</p:sld>
+</file>
+
+<file path=ppt/slides/slide5.xml><?xml version="1.0" encoding="utf-8"?>
+<p:sld xmlns:a="http://schemas.openxmlformats.org/drawingml/2006/main" xmlns:r="http://schemas.openxmlformats.org/officeDocument/2006/relationships" xmlns:p="http://schemas.openxmlformats.org/presentationml/2006/main">
+  <p:cSld>
+    <p:spTree>
+      <p:nvGrpSpPr>
+        <p:cNvPr id="1" name=""/>
+        <p:cNvGrpSpPr/>
+        <p:nvPr/>
+      </p:nvGrpSpPr>
+      <p:grpSpPr>
+        <a:xfrm>
+          <a:off x="0" y="0"/>
+          <a:ext cx="0" cy="0"/>
+          <a:chOff x="0" y="0"/>
+          <a:chExt cx="0" cy="0"/>
+        </a:xfrm>
+      </p:grpSpPr>
+      <p:sp>
+        <p:nvSpPr>
+          <p:cNvPr id="2" name="Título 1"/>
+          <p:cNvSpPr>
+            <a:spLocks noGrp="1"/>
+          </p:cNvSpPr>
+          <p:nvPr>
+            <p:ph type="title"/>
+          </p:nvPr>
+        </p:nvSpPr>
+        <p:spPr/>
+        <p:txBody>
+          <a:bodyPr/>
+          <a:lstStyle/>
+          <a:p>
+            <a:pPr algn="ctr"/>
+            <a:r>
+              <a:rPr lang="es-ES" dirty="0" smtClean="0"/>
+              <a:t>Demo</a:t>
+            </a:r>
+            <a:endParaRPr lang="es-ES" dirty="0"/>
+          </a:p>
+        </p:txBody>
+      </p:sp>
+      <p:sp>
+        <p:nvSpPr>
+          <p:cNvPr id="3" name="Marcador de contenido 2"/>
+          <p:cNvSpPr>
+            <a:spLocks noGrp="1"/>
+          </p:cNvSpPr>
+          <p:nvPr>
+            <p:ph idx="1"/>
+          </p:nvPr>
+        </p:nvSpPr>
+        <p:spPr/>
+        <p:txBody>
+          <a:bodyPr/>
+          <a:lstStyle/>
+          <a:p>
+            <a:r>
+              <a:rPr lang="es-ES" dirty="0" smtClean="0"/>
+              <a:t>No </a:t>
+            </a:r>
+            <a:r>
+              <a:rPr lang="es-ES" dirty="0" err="1" smtClean="0"/>
+              <a:t>need</a:t>
+            </a:r>
+            <a:r>
+              <a:rPr lang="es-ES" dirty="0" smtClean="0"/>
+              <a:t> to </a:t>
+            </a:r>
+            <a:r>
+              <a:rPr lang="es-ES" dirty="0" err="1" smtClean="0"/>
+              <a:t>leave</a:t>
+            </a:r>
+            <a:r>
+              <a:rPr lang="es-ES" dirty="0" smtClean="0"/>
+              <a:t> Facebook</a:t>
+            </a:r>
+          </a:p>
+          <a:p>
+            <a:r>
+              <a:rPr lang="es-ES" dirty="0" err="1" smtClean="0"/>
+              <a:t>Emotional</a:t>
+            </a:r>
+            <a:r>
+              <a:rPr lang="es-ES" dirty="0" smtClean="0"/>
+              <a:t> </a:t>
+            </a:r>
+            <a:r>
+              <a:rPr lang="es-ES" dirty="0" err="1" smtClean="0"/>
+              <a:t>involvement</a:t>
+            </a:r>
+            <a:endParaRPr lang="es-ES" dirty="0" smtClean="0"/>
+          </a:p>
+          <a:p>
+            <a:r>
+              <a:rPr lang="es-ES" dirty="0" err="1" smtClean="0"/>
+              <a:t>Misconceptions</a:t>
+            </a:r>
+            <a:r>
+              <a:rPr lang="es-ES" dirty="0" smtClean="0"/>
+              <a:t> </a:t>
+            </a:r>
+            <a:r>
+              <a:rPr lang="es-ES" dirty="0" err="1" smtClean="0"/>
+              <a:t>cleared</a:t>
+            </a:r>
+            <a:r>
+              <a:rPr lang="es-ES" dirty="0" smtClean="0"/>
+              <a:t> up</a:t>
+            </a:r>
+          </a:p>
+          <a:p>
+            <a:r>
+              <a:rPr lang="es-ES" smtClean="0"/>
+              <a:t>Short</a:t>
+            </a:r>
+            <a:endParaRPr lang="es-ES" dirty="0"/>
+          </a:p>
+        </p:txBody>
+      </p:sp>
+    </p:spTree>
+    <p:extLst>
+      <p:ext uri="{BB962C8B-B14F-4D97-AF65-F5344CB8AC3E}">
+        <p14:creationId xmlns:p14="http://schemas.microsoft.com/office/powerpoint/2010/main" val="2573150568"/>
+      </p:ext>
+    </p:extLst>
+  </p:cSld>
+  <p:clrMapOvr>
+    <a:masterClrMapping/>
+  </p:clrMapOvr>
+</p:sld>
+</file>
+
+<file path=ppt/slides/slide6.xml><?xml version="1.0" encoding="utf-8"?>
+<p:sld xmlns:a="http://schemas.openxmlformats.org/drawingml/2006/main" xmlns:r="http://schemas.openxmlformats.org/officeDocument/2006/relationships" xmlns:p="http://schemas.openxmlformats.org/presentationml/2006/main">
+  <p:cSld>
+    <p:spTree>
+      <p:nvGrpSpPr>
+        <p:cNvPr id="1" name=""/>
+        <p:cNvGrpSpPr/>
+        <p:nvPr/>
+      </p:nvGrpSpPr>
+      <p:grpSpPr>
+        <a:xfrm>
+          <a:off x="0" y="0"/>
+          <a:ext cx="0" cy="0"/>
+          <a:chOff x="0" y="0"/>
+          <a:chExt cx="0" cy="0"/>
+        </a:xfrm>
+      </p:grpSpPr>
+      <p:sp>
+        <p:nvSpPr>
+          <p:cNvPr id="2" name="Título 1"/>
+          <p:cNvSpPr>
+            <a:spLocks noGrp="1"/>
+          </p:cNvSpPr>
+          <p:nvPr>
+            <p:ph type="title"/>
+          </p:nvPr>
+        </p:nvSpPr>
+        <p:spPr/>
+        <p:txBody>
+          <a:bodyPr/>
+          <a:lstStyle/>
+          <a:p>
+            <a:endParaRPr lang="es-ES" dirty="0"/>
+          </a:p>
+        </p:txBody>
+      </p:sp>
+      <p:sp>
+        <p:nvSpPr>
+          <p:cNvPr id="3" name="Marcador de contenido 2"/>
+          <p:cNvSpPr>
+            <a:spLocks noGrp="1"/>
+          </p:cNvSpPr>
+          <p:nvPr>
+            <p:ph idx="1"/>
+          </p:nvPr>
+        </p:nvSpPr>
+        <p:spPr/>
+        <p:txBody>
+          <a:bodyPr/>
+          <a:lstStyle/>
+          <a:p>
+            <a:endParaRPr lang="es-ES"/>
+          </a:p>
+        </p:txBody>
+      </p:sp>
+    </p:spTree>
+    <p:extLst>
+      <p:ext uri="{BB962C8B-B14F-4D97-AF65-F5344CB8AC3E}">
+        <p14:creationId xmlns:p14="http://schemas.microsoft.com/office/powerpoint/2010/main" val="2135640209"/>
       </p:ext>
     </p:extLst>
   </p:cSld>
